--- a/Final Project Presentation/8. Use Case Diagram.pptx
+++ b/Final Project Presentation/8. Use Case Diagram.pptx
@@ -262,7 +262,7 @@
       </p15:sldGuideLst>
     </p:ext>
     <p:ext uri="http://customooxmlschemas.google.com/">
-      <go:slidesCustomData xmlns:go="http://customooxmlschemas.google.com/" r:id="rId12" roundtripDataSignature="AMtx7mj4A0s/1/1FJ9r+xHafQX5j0iNg8Q=="/>
+      <go:slidesCustomData xmlns:go="http://customooxmlschemas.google.com/" r:id="rId12" roundtripDataSignature="AMtx7miUtFI/S8vPxvF+/vJkMi9e/1H9sg=="/>
     </p:ext>
   </p:extLst>
 </p:presentation>
@@ -14649,7 +14649,7 @@
               <a:buNone/>
             </a:pPr>
             <a:r>
-              <a:rPr lang="en-US" sz="1800">
+              <a:rPr b="0" i="0" lang="en-US" sz="1800" u="none" cap="none" strike="noStrike">
                 <a:solidFill>
                   <a:schemeClr val="dk1"/>
                 </a:solidFill>
@@ -14660,7 +14660,7 @@
               </a:rPr>
               <a:t>Flaunt Website</a:t>
             </a:r>
-            <a:endParaRPr sz="1800">
+            <a:endParaRPr b="0" i="0" sz="1800" u="none" cap="none" strike="noStrike">
               <a:solidFill>
                 <a:schemeClr val="dk1"/>
               </a:solidFill>
@@ -14700,7 +14700,7 @@
               </a:rPr>
               <a:t>Module 01: Account Management</a:t>
             </a:r>
-            <a:endParaRPr b="0" i="0" u="none" cap="none" strike="noStrike">
+            <a:endParaRPr b="0" i="0" sz="1400" u="none" cap="none" strike="noStrike">
               <a:solidFill>
                 <a:srgbClr val="000000"/>
               </a:solidFill>
@@ -14768,17 +14768,28 @@
           </a:bodyPr>
           <a:lstStyle/>
           <a:p>
-            <a:pPr indent="0" lvl="0" marL="0" rtl="0" algn="l">
-              <a:spcBef>
-                <a:spcPts val="0"/>
-              </a:spcBef>
-              <a:spcAft>
-                <a:spcPts val="0"/>
-              </a:spcAft>
+            <a:pPr indent="0" lvl="0" marL="0" marR="0" rtl="0" algn="l">
+              <a:lnSpc>
+                <a:spcPct val="100000"/>
+              </a:lnSpc>
+              <a:spcBef>
+                <a:spcPts val="0"/>
+              </a:spcBef>
+              <a:spcAft>
+                <a:spcPts val="0"/>
+              </a:spcAft>
+              <a:buClr>
+                <a:srgbClr val="000000"/>
+              </a:buClr>
+              <a:buSzPts val="1800"/>
+              <a:buFont typeface="Arial"/>
               <a:buNone/>
             </a:pPr>
             <a:r>
-              <a:rPr b="1" lang="en-US" sz="1800" u="sng">
+              <a:rPr b="1" i="0" lang="en-US" sz="1800" u="sng" cap="none" strike="noStrike">
+                <a:solidFill>
+                  <a:srgbClr val="000000"/>
+                </a:solidFill>
                 <a:latin typeface="Calibri"/>
                 <a:ea typeface="Calibri"/>
                 <a:cs typeface="Calibri"/>
@@ -14786,7 +14797,10 @@
               </a:rPr>
               <a:t>Use Case Diagram</a:t>
             </a:r>
-            <a:endParaRPr b="1" sz="1800" u="sng">
+            <a:endParaRPr b="1" i="0" sz="1800" u="sng" cap="none" strike="noStrike">
+              <a:solidFill>
+                <a:srgbClr val="000000"/>
+              </a:solidFill>
               <a:latin typeface="Calibri"/>
               <a:ea typeface="Calibri"/>
               <a:cs typeface="Calibri"/>
@@ -14801,13 +14815,12 @@
           <p:cNvPicPr preferRelativeResize="0"/>
           <p:nvPr/>
         </p:nvPicPr>
-        <p:blipFill>
+        <p:blipFill rotWithShape="1">
           <a:blip r:embed="rId3">
             <a:alphaModFix/>
           </a:blip>
-          <a:stretch>
-            <a:fillRect/>
-          </a:stretch>
+          <a:srcRect b="0" l="0" r="0" t="0"/>
+          <a:stretch/>
         </p:blipFill>
         <p:spPr>
           <a:xfrm>
@@ -14839,8 +14852,8 @@
         </p:blipFill>
         <p:spPr>
           <a:xfrm>
-            <a:off x="3638150" y="977050"/>
-            <a:ext cx="5629275" cy="5448300"/>
+            <a:off x="3850938" y="977050"/>
+            <a:ext cx="5591175" cy="5448300"/>
           </a:xfrm>
           <a:prstGeom prst="rect">
             <a:avLst/>
@@ -14919,7 +14932,7 @@
               <a:buNone/>
             </a:pPr>
             <a:r>
-              <a:rPr lang="en-US">
+              <a:rPr b="0" i="0" lang="en-US" sz="1400" u="none" cap="none" strike="noStrike">
                 <a:solidFill>
                   <a:schemeClr val="dk1"/>
                 </a:solidFill>
@@ -14930,7 +14943,7 @@
               </a:rPr>
               <a:t>Flaunt Website</a:t>
             </a:r>
-            <a:endParaRPr>
+            <a:endParaRPr b="0" i="0" sz="1400" u="none" cap="none" strike="noStrike">
               <a:solidFill>
                 <a:schemeClr val="dk1"/>
               </a:solidFill>
@@ -14959,7 +14972,7 @@
               <a:buNone/>
             </a:pPr>
             <a:r>
-              <a:rPr b="0" i="0" lang="en-US" u="none" cap="none" strike="noStrike">
+              <a:rPr b="0" i="0" lang="en-US" sz="1400" u="none" cap="none" strike="noStrike">
                 <a:solidFill>
                   <a:schemeClr val="dk1"/>
                 </a:solidFill>
@@ -14968,43 +14981,7 @@
                 <a:cs typeface="Calibri"/>
                 <a:sym typeface="Calibri"/>
               </a:rPr>
-              <a:t>Module 0</a:t>
-            </a:r>
-            <a:r>
-              <a:rPr lang="en-US">
-                <a:solidFill>
-                  <a:schemeClr val="dk1"/>
-                </a:solidFill>
-                <a:latin typeface="Calibri"/>
-                <a:ea typeface="Calibri"/>
-                <a:cs typeface="Calibri"/>
-                <a:sym typeface="Calibri"/>
-              </a:rPr>
-              <a:t>2</a:t>
-            </a:r>
-            <a:r>
-              <a:rPr b="0" i="0" lang="en-US" u="none" cap="none" strike="noStrike">
-                <a:solidFill>
-                  <a:schemeClr val="dk1"/>
-                </a:solidFill>
-                <a:latin typeface="Calibri"/>
-                <a:ea typeface="Calibri"/>
-                <a:cs typeface="Calibri"/>
-                <a:sym typeface="Calibri"/>
-              </a:rPr>
-              <a:t>: </a:t>
-            </a:r>
-            <a:r>
-              <a:rPr lang="en-US">
-                <a:solidFill>
-                  <a:schemeClr val="dk1"/>
-                </a:solidFill>
-                <a:latin typeface="Calibri"/>
-                <a:ea typeface="Calibri"/>
-                <a:cs typeface="Calibri"/>
-                <a:sym typeface="Calibri"/>
-              </a:rPr>
-              <a:t>Browse Product(s)</a:t>
+              <a:t>Module 02: Browse Product(s)</a:t>
             </a:r>
             <a:endParaRPr b="0" i="0" sz="1000" u="none" cap="none" strike="noStrike">
               <a:solidFill>
@@ -15074,17 +15051,28 @@
           </a:bodyPr>
           <a:lstStyle/>
           <a:p>
-            <a:pPr indent="0" lvl="0" marL="0" rtl="0" algn="l">
-              <a:spcBef>
-                <a:spcPts val="0"/>
-              </a:spcBef>
-              <a:spcAft>
-                <a:spcPts val="0"/>
-              </a:spcAft>
+            <a:pPr indent="0" lvl="0" marL="0" marR="0" rtl="0" algn="l">
+              <a:lnSpc>
+                <a:spcPct val="100000"/>
+              </a:lnSpc>
+              <a:spcBef>
+                <a:spcPts val="0"/>
+              </a:spcBef>
+              <a:spcAft>
+                <a:spcPts val="0"/>
+              </a:spcAft>
+              <a:buClr>
+                <a:srgbClr val="000000"/>
+              </a:buClr>
+              <a:buSzPts val="1800"/>
+              <a:buFont typeface="Arial"/>
               <a:buNone/>
             </a:pPr>
             <a:r>
-              <a:rPr b="1" lang="en-US" sz="1800" u="sng">
+              <a:rPr b="1" i="0" lang="en-US" sz="1800" u="sng" cap="none" strike="noStrike">
+                <a:solidFill>
+                  <a:srgbClr val="000000"/>
+                </a:solidFill>
                 <a:latin typeface="Calibri"/>
                 <a:ea typeface="Calibri"/>
                 <a:cs typeface="Calibri"/>
@@ -15092,7 +15080,10 @@
               </a:rPr>
               <a:t>Use Case Diagram</a:t>
             </a:r>
-            <a:endParaRPr b="1" sz="1800" u="sng">
+            <a:endParaRPr b="1" i="0" sz="1800" u="sng" cap="none" strike="noStrike">
+              <a:solidFill>
+                <a:srgbClr val="000000"/>
+              </a:solidFill>
               <a:latin typeface="Calibri"/>
               <a:ea typeface="Calibri"/>
               <a:cs typeface="Calibri"/>
@@ -15107,13 +15098,12 @@
           <p:cNvPicPr preferRelativeResize="0"/>
           <p:nvPr/>
         </p:nvPicPr>
-        <p:blipFill>
+        <p:blipFill rotWithShape="1">
           <a:blip r:embed="rId3">
             <a:alphaModFix/>
           </a:blip>
-          <a:stretch>
-            <a:fillRect/>
-          </a:stretch>
+          <a:srcRect b="0" l="0" r="0" t="0"/>
+          <a:stretch/>
         </p:blipFill>
         <p:spPr>
           <a:xfrm>
@@ -15145,8 +15135,8 @@
         </p:blipFill>
         <p:spPr>
           <a:xfrm>
-            <a:off x="3287713" y="907850"/>
-            <a:ext cx="5616571" cy="5797751"/>
+            <a:off x="4061300" y="907850"/>
+            <a:ext cx="5573433" cy="5797751"/>
           </a:xfrm>
           <a:prstGeom prst="rect">
             <a:avLst/>
@@ -15225,7 +15215,7 @@
               <a:buNone/>
             </a:pPr>
             <a:r>
-              <a:rPr lang="en-US">
+              <a:rPr b="0" i="0" lang="en-US" sz="1400" u="none" cap="none" strike="noStrike">
                 <a:solidFill>
                   <a:schemeClr val="dk1"/>
                 </a:solidFill>
@@ -15236,7 +15226,7 @@
               </a:rPr>
               <a:t>Flaunt Website</a:t>
             </a:r>
-            <a:endParaRPr>
+            <a:endParaRPr b="0" i="0" sz="1400" u="none" cap="none" strike="noStrike">
               <a:solidFill>
                 <a:schemeClr val="dk1"/>
               </a:solidFill>
@@ -15265,7 +15255,7 @@
               <a:buNone/>
             </a:pPr>
             <a:r>
-              <a:rPr b="0" i="0" lang="en-US" u="none" cap="none" strike="noStrike">
+              <a:rPr b="0" i="0" lang="en-US" sz="1400" u="none" cap="none" strike="noStrike">
                 <a:solidFill>
                   <a:schemeClr val="dk1"/>
                 </a:solidFill>
@@ -15274,43 +15264,7 @@
                 <a:cs typeface="Calibri"/>
                 <a:sym typeface="Calibri"/>
               </a:rPr>
-              <a:t>Module 0</a:t>
-            </a:r>
-            <a:r>
-              <a:rPr lang="en-US">
-                <a:solidFill>
-                  <a:schemeClr val="dk1"/>
-                </a:solidFill>
-                <a:latin typeface="Calibri"/>
-                <a:ea typeface="Calibri"/>
-                <a:cs typeface="Calibri"/>
-                <a:sym typeface="Calibri"/>
-              </a:rPr>
-              <a:t>3</a:t>
-            </a:r>
-            <a:r>
-              <a:rPr b="0" i="0" lang="en-US" u="none" cap="none" strike="noStrike">
-                <a:solidFill>
-                  <a:schemeClr val="dk1"/>
-                </a:solidFill>
-                <a:latin typeface="Calibri"/>
-                <a:ea typeface="Calibri"/>
-                <a:cs typeface="Calibri"/>
-                <a:sym typeface="Calibri"/>
-              </a:rPr>
-              <a:t>: </a:t>
-            </a:r>
-            <a:r>
-              <a:rPr lang="en-US">
-                <a:solidFill>
-                  <a:schemeClr val="dk1"/>
-                </a:solidFill>
-                <a:latin typeface="Calibri"/>
-                <a:ea typeface="Calibri"/>
-                <a:cs typeface="Calibri"/>
-                <a:sym typeface="Calibri"/>
-              </a:rPr>
-              <a:t>Purchase Management</a:t>
+              <a:t>Module 03: Purchase Management</a:t>
             </a:r>
             <a:endParaRPr b="0" i="0" sz="1000" u="none" cap="none" strike="noStrike">
               <a:solidFill>
@@ -15380,17 +15334,28 @@
           </a:bodyPr>
           <a:lstStyle/>
           <a:p>
-            <a:pPr indent="0" lvl="0" marL="0" rtl="0" algn="l">
-              <a:spcBef>
-                <a:spcPts val="0"/>
-              </a:spcBef>
-              <a:spcAft>
-                <a:spcPts val="0"/>
-              </a:spcAft>
+            <a:pPr indent="0" lvl="0" marL="0" marR="0" rtl="0" algn="l">
+              <a:lnSpc>
+                <a:spcPct val="100000"/>
+              </a:lnSpc>
+              <a:spcBef>
+                <a:spcPts val="0"/>
+              </a:spcBef>
+              <a:spcAft>
+                <a:spcPts val="0"/>
+              </a:spcAft>
+              <a:buClr>
+                <a:srgbClr val="000000"/>
+              </a:buClr>
+              <a:buSzPts val="1800"/>
+              <a:buFont typeface="Arial"/>
               <a:buNone/>
             </a:pPr>
             <a:r>
-              <a:rPr b="1" lang="en-US" sz="1800" u="sng">
+              <a:rPr b="1" i="0" lang="en-US" sz="1800" u="sng" cap="none" strike="noStrike">
+                <a:solidFill>
+                  <a:srgbClr val="000000"/>
+                </a:solidFill>
                 <a:latin typeface="Calibri"/>
                 <a:ea typeface="Calibri"/>
                 <a:cs typeface="Calibri"/>
@@ -15398,7 +15363,10 @@
               </a:rPr>
               <a:t>Use Case Diagram</a:t>
             </a:r>
-            <a:endParaRPr b="1" sz="1800" u="sng">
+            <a:endParaRPr b="1" i="0" sz="1800" u="sng" cap="none" strike="noStrike">
+              <a:solidFill>
+                <a:srgbClr val="000000"/>
+              </a:solidFill>
               <a:latin typeface="Calibri"/>
               <a:ea typeface="Calibri"/>
               <a:cs typeface="Calibri"/>
@@ -15413,13 +15381,12 @@
           <p:cNvPicPr preferRelativeResize="0"/>
           <p:nvPr/>
         </p:nvPicPr>
-        <p:blipFill>
+        <p:blipFill rotWithShape="1">
           <a:blip r:embed="rId3">
             <a:alphaModFix/>
           </a:blip>
-          <a:stretch>
-            <a:fillRect/>
-          </a:stretch>
+          <a:srcRect b="0" l="0" r="0" t="0"/>
+          <a:stretch/>
         </p:blipFill>
         <p:spPr>
           <a:xfrm>
@@ -15460,19 +15427,30 @@
           </a:bodyPr>
           <a:lstStyle/>
           <a:p>
-            <a:pPr indent="457200" lvl="0" marL="0" rtl="0" algn="l">
-              <a:spcBef>
-                <a:spcPts val="0"/>
-              </a:spcBef>
-              <a:spcAft>
-                <a:spcPts val="0"/>
-              </a:spcAft>
+            <a:pPr indent="457200" lvl="0" marL="0" marR="0" rtl="0" algn="l">
+              <a:lnSpc>
+                <a:spcPct val="100000"/>
+              </a:lnSpc>
+              <a:spcBef>
+                <a:spcPts val="0"/>
+              </a:spcBef>
+              <a:spcAft>
+                <a:spcPts val="0"/>
+              </a:spcAft>
+              <a:buClr>
+                <a:srgbClr val="000000"/>
+              </a:buClr>
+              <a:buSzPts val="1400"/>
+              <a:buFont typeface="Arial"/>
               <a:buNone/>
             </a:pPr>
             <a:r>
               <a:t/>
             </a:r>
-            <a:endParaRPr>
+            <a:endParaRPr b="0" i="0" sz="1400" u="none" cap="none" strike="noStrike">
+              <a:solidFill>
+                <a:srgbClr val="000000"/>
+              </a:solidFill>
               <a:latin typeface="Calibri"/>
               <a:ea typeface="Calibri"/>
               <a:cs typeface="Calibri"/>
@@ -15487,13 +15465,12 @@
           <p:cNvPicPr preferRelativeResize="0"/>
           <p:nvPr/>
         </p:nvPicPr>
-        <p:blipFill>
+        <p:blipFill rotWithShape="1">
           <a:blip r:embed="rId4">
             <a:alphaModFix/>
           </a:blip>
-          <a:stretch>
-            <a:fillRect/>
-          </a:stretch>
+          <a:srcRect b="0" l="0" r="0" t="0"/>
+          <a:stretch/>
         </p:blipFill>
         <p:spPr>
           <a:xfrm>
@@ -15577,7 +15554,7 @@
               <a:buNone/>
             </a:pPr>
             <a:r>
-              <a:rPr lang="en-US">
+              <a:rPr b="0" i="0" lang="en-US" sz="1400" u="none" cap="none" strike="noStrike">
                 <a:solidFill>
                   <a:schemeClr val="dk1"/>
                 </a:solidFill>
@@ -15588,7 +15565,7 @@
               </a:rPr>
               <a:t>Flaunt Website</a:t>
             </a:r>
-            <a:endParaRPr>
+            <a:endParaRPr b="0" i="0" sz="1400" u="none" cap="none" strike="noStrike">
               <a:solidFill>
                 <a:schemeClr val="dk1"/>
               </a:solidFill>
@@ -15617,7 +15594,7 @@
               <a:buNone/>
             </a:pPr>
             <a:r>
-              <a:rPr b="0" i="0" lang="en-US" u="none" cap="none" strike="noStrike">
+              <a:rPr b="0" i="0" lang="en-US" sz="1400" u="none" cap="none" strike="noStrike">
                 <a:solidFill>
                   <a:schemeClr val="dk1"/>
                 </a:solidFill>
@@ -15626,43 +15603,7 @@
                 <a:cs typeface="Calibri"/>
                 <a:sym typeface="Calibri"/>
               </a:rPr>
-              <a:t>Module 0</a:t>
-            </a:r>
-            <a:r>
-              <a:rPr lang="en-US">
-                <a:solidFill>
-                  <a:schemeClr val="dk1"/>
-                </a:solidFill>
-                <a:latin typeface="Calibri"/>
-                <a:ea typeface="Calibri"/>
-                <a:cs typeface="Calibri"/>
-                <a:sym typeface="Calibri"/>
-              </a:rPr>
-              <a:t>4</a:t>
-            </a:r>
-            <a:r>
-              <a:rPr b="0" i="0" lang="en-US" u="none" cap="none" strike="noStrike">
-                <a:solidFill>
-                  <a:schemeClr val="dk1"/>
-                </a:solidFill>
-                <a:latin typeface="Calibri"/>
-                <a:ea typeface="Calibri"/>
-                <a:cs typeface="Calibri"/>
-                <a:sym typeface="Calibri"/>
-              </a:rPr>
-              <a:t>: </a:t>
-            </a:r>
-            <a:r>
-              <a:rPr lang="en-US">
-                <a:solidFill>
-                  <a:schemeClr val="dk1"/>
-                </a:solidFill>
-                <a:latin typeface="Calibri"/>
-                <a:ea typeface="Calibri"/>
-                <a:cs typeface="Calibri"/>
-                <a:sym typeface="Calibri"/>
-              </a:rPr>
-              <a:t>Payment Gateway</a:t>
+              <a:t>Module 04: Payment Gateway</a:t>
             </a:r>
             <a:endParaRPr b="0" i="0" sz="1000" u="none" cap="none" strike="noStrike">
               <a:solidFill>
@@ -15732,17 +15673,28 @@
           </a:bodyPr>
           <a:lstStyle/>
           <a:p>
-            <a:pPr indent="0" lvl="0" marL="0" rtl="0" algn="l">
-              <a:spcBef>
-                <a:spcPts val="0"/>
-              </a:spcBef>
-              <a:spcAft>
-                <a:spcPts val="0"/>
-              </a:spcAft>
+            <a:pPr indent="0" lvl="0" marL="0" marR="0" rtl="0" algn="l">
+              <a:lnSpc>
+                <a:spcPct val="100000"/>
+              </a:lnSpc>
+              <a:spcBef>
+                <a:spcPts val="0"/>
+              </a:spcBef>
+              <a:spcAft>
+                <a:spcPts val="0"/>
+              </a:spcAft>
+              <a:buClr>
+                <a:srgbClr val="000000"/>
+              </a:buClr>
+              <a:buSzPts val="1800"/>
+              <a:buFont typeface="Arial"/>
               <a:buNone/>
             </a:pPr>
             <a:r>
-              <a:rPr b="1" lang="en-US" sz="1800" u="sng">
+              <a:rPr b="1" i="0" lang="en-US" sz="1800" u="sng" cap="none" strike="noStrike">
+                <a:solidFill>
+                  <a:srgbClr val="000000"/>
+                </a:solidFill>
                 <a:latin typeface="Calibri"/>
                 <a:ea typeface="Calibri"/>
                 <a:cs typeface="Calibri"/>
@@ -15750,7 +15702,10 @@
               </a:rPr>
               <a:t>Use Case Diagram</a:t>
             </a:r>
-            <a:endParaRPr b="1" sz="1800" u="sng">
+            <a:endParaRPr b="1" i="0" sz="1800" u="sng" cap="none" strike="noStrike">
+              <a:solidFill>
+                <a:srgbClr val="000000"/>
+              </a:solidFill>
               <a:latin typeface="Calibri"/>
               <a:ea typeface="Calibri"/>
               <a:cs typeface="Calibri"/>
@@ -15765,13 +15720,12 @@
           <p:cNvPicPr preferRelativeResize="0"/>
           <p:nvPr/>
         </p:nvPicPr>
-        <p:blipFill>
+        <p:blipFill rotWithShape="1">
           <a:blip r:embed="rId3">
             <a:alphaModFix/>
           </a:blip>
-          <a:stretch>
-            <a:fillRect/>
-          </a:stretch>
+          <a:srcRect b="0" l="0" r="0" t="0"/>
+          <a:stretch/>
         </p:blipFill>
         <p:spPr>
           <a:xfrm>
@@ -15793,13 +15747,12 @@
           <p:cNvPicPr preferRelativeResize="0"/>
           <p:nvPr/>
         </p:nvPicPr>
-        <p:blipFill>
+        <p:blipFill rotWithShape="1">
           <a:blip r:embed="rId4">
             <a:alphaModFix/>
           </a:blip>
-          <a:stretch>
-            <a:fillRect/>
-          </a:stretch>
+          <a:srcRect b="0" l="0" r="0" t="0"/>
+          <a:stretch/>
         </p:blipFill>
         <p:spPr>
           <a:xfrm>
@@ -15883,7 +15836,7 @@
               <a:buNone/>
             </a:pPr>
             <a:r>
-              <a:rPr lang="en-US">
+              <a:rPr b="0" i="0" lang="en-US" sz="1400" u="none" cap="none" strike="noStrike">
                 <a:solidFill>
                   <a:schemeClr val="dk1"/>
                 </a:solidFill>
@@ -15894,7 +15847,7 @@
               </a:rPr>
               <a:t>Flaunt Website</a:t>
             </a:r>
-            <a:endParaRPr>
+            <a:endParaRPr b="0" i="0" sz="1400" u="none" cap="none" strike="noStrike">
               <a:solidFill>
                 <a:schemeClr val="dk1"/>
               </a:solidFill>
@@ -15923,7 +15876,7 @@
               <a:buNone/>
             </a:pPr>
             <a:r>
-              <a:rPr b="0" i="0" lang="en-US" u="none" cap="none" strike="noStrike">
+              <a:rPr b="0" i="0" lang="en-US" sz="1400" u="none" cap="none" strike="noStrike">
                 <a:solidFill>
                   <a:schemeClr val="dk1"/>
                 </a:solidFill>
@@ -15932,43 +15885,7 @@
                 <a:cs typeface="Calibri"/>
                 <a:sym typeface="Calibri"/>
               </a:rPr>
-              <a:t>Module 0</a:t>
-            </a:r>
-            <a:r>
-              <a:rPr lang="en-US">
-                <a:solidFill>
-                  <a:schemeClr val="dk1"/>
-                </a:solidFill>
-                <a:latin typeface="Calibri"/>
-                <a:ea typeface="Calibri"/>
-                <a:cs typeface="Calibri"/>
-                <a:sym typeface="Calibri"/>
-              </a:rPr>
-              <a:t>5</a:t>
-            </a:r>
-            <a:r>
-              <a:rPr b="0" i="0" lang="en-US" u="none" cap="none" strike="noStrike">
-                <a:solidFill>
-                  <a:schemeClr val="dk1"/>
-                </a:solidFill>
-                <a:latin typeface="Calibri"/>
-                <a:ea typeface="Calibri"/>
-                <a:cs typeface="Calibri"/>
-                <a:sym typeface="Calibri"/>
-              </a:rPr>
-              <a:t>:</a:t>
-            </a:r>
-            <a:r>
-              <a:rPr lang="en-US">
-                <a:solidFill>
-                  <a:schemeClr val="dk1"/>
-                </a:solidFill>
-                <a:latin typeface="Calibri"/>
-                <a:ea typeface="Calibri"/>
-                <a:cs typeface="Calibri"/>
-                <a:sym typeface="Calibri"/>
-              </a:rPr>
-              <a:t> Logistics Service Provider</a:t>
+              <a:t>Module 05: Logistics Service Provider</a:t>
             </a:r>
             <a:endParaRPr b="0" i="0" sz="1000" u="none" cap="none" strike="noStrike">
               <a:solidFill>
@@ -16038,17 +15955,28 @@
           </a:bodyPr>
           <a:lstStyle/>
           <a:p>
-            <a:pPr indent="0" lvl="0" marL="0" rtl="0" algn="l">
-              <a:spcBef>
-                <a:spcPts val="0"/>
-              </a:spcBef>
-              <a:spcAft>
-                <a:spcPts val="0"/>
-              </a:spcAft>
+            <a:pPr indent="0" lvl="0" marL="0" marR="0" rtl="0" algn="l">
+              <a:lnSpc>
+                <a:spcPct val="100000"/>
+              </a:lnSpc>
+              <a:spcBef>
+                <a:spcPts val="0"/>
+              </a:spcBef>
+              <a:spcAft>
+                <a:spcPts val="0"/>
+              </a:spcAft>
+              <a:buClr>
+                <a:srgbClr val="000000"/>
+              </a:buClr>
+              <a:buSzPts val="1800"/>
+              <a:buFont typeface="Arial"/>
               <a:buNone/>
             </a:pPr>
             <a:r>
-              <a:rPr b="1" lang="en-US" sz="1800" u="sng">
+              <a:rPr b="1" i="0" lang="en-US" sz="1800" u="sng" cap="none" strike="noStrike">
+                <a:solidFill>
+                  <a:srgbClr val="000000"/>
+                </a:solidFill>
                 <a:latin typeface="Calibri"/>
                 <a:ea typeface="Calibri"/>
                 <a:cs typeface="Calibri"/>
@@ -16056,7 +15984,10 @@
               </a:rPr>
               <a:t>Use Case Diagram</a:t>
             </a:r>
-            <a:endParaRPr b="1" sz="1800" u="sng">
+            <a:endParaRPr b="1" i="0" sz="1800" u="sng" cap="none" strike="noStrike">
+              <a:solidFill>
+                <a:srgbClr val="000000"/>
+              </a:solidFill>
               <a:latin typeface="Calibri"/>
               <a:ea typeface="Calibri"/>
               <a:cs typeface="Calibri"/>
@@ -16071,13 +16002,12 @@
           <p:cNvPicPr preferRelativeResize="0"/>
           <p:nvPr/>
         </p:nvPicPr>
-        <p:blipFill>
+        <p:blipFill rotWithShape="1">
           <a:blip r:embed="rId3">
             <a:alphaModFix/>
           </a:blip>
-          <a:stretch>
-            <a:fillRect/>
-          </a:stretch>
+          <a:srcRect b="0" l="0" r="0" t="0"/>
+          <a:stretch/>
         </p:blipFill>
         <p:spPr>
           <a:xfrm>
@@ -16099,13 +16029,12 @@
           <p:cNvPicPr preferRelativeResize="0"/>
           <p:nvPr/>
         </p:nvPicPr>
-        <p:blipFill>
+        <p:blipFill rotWithShape="1">
           <a:blip r:embed="rId4">
             <a:alphaModFix/>
           </a:blip>
-          <a:stretch>
-            <a:fillRect/>
-          </a:stretch>
+          <a:srcRect b="0" l="0" r="0" t="0"/>
+          <a:stretch/>
         </p:blipFill>
         <p:spPr>
           <a:xfrm>
@@ -16189,7 +16118,7 @@
               <a:buNone/>
             </a:pPr>
             <a:r>
-              <a:rPr lang="en-US">
+              <a:rPr b="0" i="0" lang="en-US" sz="1400" u="none" cap="none" strike="noStrike">
                 <a:solidFill>
                   <a:schemeClr val="dk1"/>
                 </a:solidFill>
@@ -16200,7 +16129,7 @@
               </a:rPr>
               <a:t>Flaunt Website</a:t>
             </a:r>
-            <a:endParaRPr>
+            <a:endParaRPr b="0" i="0" sz="1400" u="none" cap="none" strike="noStrike">
               <a:solidFill>
                 <a:schemeClr val="dk1"/>
               </a:solidFill>
@@ -16229,7 +16158,7 @@
               <a:buNone/>
             </a:pPr>
             <a:r>
-              <a:rPr b="0" i="0" lang="en-US" u="none" cap="none" strike="noStrike">
+              <a:rPr b="0" i="0" lang="en-US" sz="1400" u="none" cap="none" strike="noStrike">
                 <a:solidFill>
                   <a:schemeClr val="dk1"/>
                 </a:solidFill>
@@ -16238,43 +16167,7 @@
                 <a:cs typeface="Calibri"/>
                 <a:sym typeface="Calibri"/>
               </a:rPr>
-              <a:t>Module 0</a:t>
-            </a:r>
-            <a:r>
-              <a:rPr lang="en-US">
-                <a:solidFill>
-                  <a:schemeClr val="dk1"/>
-                </a:solidFill>
-                <a:latin typeface="Calibri"/>
-                <a:ea typeface="Calibri"/>
-                <a:cs typeface="Calibri"/>
-                <a:sym typeface="Calibri"/>
-              </a:rPr>
-              <a:t>6</a:t>
-            </a:r>
-            <a:r>
-              <a:rPr b="0" i="0" lang="en-US" u="none" cap="none" strike="noStrike">
-                <a:solidFill>
-                  <a:schemeClr val="dk1"/>
-                </a:solidFill>
-                <a:latin typeface="Calibri"/>
-                <a:ea typeface="Calibri"/>
-                <a:cs typeface="Calibri"/>
-                <a:sym typeface="Calibri"/>
-              </a:rPr>
-              <a:t>: </a:t>
-            </a:r>
-            <a:r>
-              <a:rPr lang="en-US">
-                <a:solidFill>
-                  <a:schemeClr val="dk1"/>
-                </a:solidFill>
-                <a:latin typeface="Calibri"/>
-                <a:ea typeface="Calibri"/>
-                <a:cs typeface="Calibri"/>
-                <a:sym typeface="Calibri"/>
-              </a:rPr>
-              <a:t>Advertising Media</a:t>
+              <a:t>Module 06: Advertising Media</a:t>
             </a:r>
             <a:endParaRPr b="0" i="0" sz="1000" u="none" cap="none" strike="noStrike">
               <a:solidFill>
@@ -16344,17 +16237,28 @@
           </a:bodyPr>
           <a:lstStyle/>
           <a:p>
-            <a:pPr indent="0" lvl="0" marL="0" rtl="0" algn="l">
-              <a:spcBef>
-                <a:spcPts val="0"/>
-              </a:spcBef>
-              <a:spcAft>
-                <a:spcPts val="0"/>
-              </a:spcAft>
+            <a:pPr indent="0" lvl="0" marL="0" marR="0" rtl="0" algn="l">
+              <a:lnSpc>
+                <a:spcPct val="100000"/>
+              </a:lnSpc>
+              <a:spcBef>
+                <a:spcPts val="0"/>
+              </a:spcBef>
+              <a:spcAft>
+                <a:spcPts val="0"/>
+              </a:spcAft>
+              <a:buClr>
+                <a:srgbClr val="000000"/>
+              </a:buClr>
+              <a:buSzPts val="1800"/>
+              <a:buFont typeface="Arial"/>
               <a:buNone/>
             </a:pPr>
             <a:r>
-              <a:rPr b="1" lang="en-US" sz="1800" u="sng">
+              <a:rPr b="1" i="0" lang="en-US" sz="1800" u="sng" cap="none" strike="noStrike">
+                <a:solidFill>
+                  <a:srgbClr val="000000"/>
+                </a:solidFill>
                 <a:latin typeface="Calibri"/>
                 <a:ea typeface="Calibri"/>
                 <a:cs typeface="Calibri"/>
@@ -16362,7 +16266,10 @@
               </a:rPr>
               <a:t>Use Case Diagram</a:t>
             </a:r>
-            <a:endParaRPr b="1" sz="1800" u="sng">
+            <a:endParaRPr b="1" i="0" sz="1800" u="sng" cap="none" strike="noStrike">
+              <a:solidFill>
+                <a:srgbClr val="000000"/>
+              </a:solidFill>
               <a:latin typeface="Calibri"/>
               <a:ea typeface="Calibri"/>
               <a:cs typeface="Calibri"/>
@@ -16377,13 +16284,12 @@
           <p:cNvPicPr preferRelativeResize="0"/>
           <p:nvPr/>
         </p:nvPicPr>
-        <p:blipFill>
+        <p:blipFill rotWithShape="1">
           <a:blip r:embed="rId3">
             <a:alphaModFix/>
           </a:blip>
-          <a:stretch>
-            <a:fillRect/>
-          </a:stretch>
+          <a:srcRect b="0" l="0" r="0" t="0"/>
+          <a:stretch/>
         </p:blipFill>
         <p:spPr>
           <a:xfrm>
@@ -16405,13 +16311,12 @@
           <p:cNvPicPr preferRelativeResize="0"/>
           <p:nvPr/>
         </p:nvPicPr>
-        <p:blipFill>
+        <p:blipFill rotWithShape="1">
           <a:blip r:embed="rId4">
             <a:alphaModFix/>
           </a:blip>
-          <a:stretch>
-            <a:fillRect/>
-          </a:stretch>
+          <a:srcRect b="0" l="0" r="0" t="0"/>
+          <a:stretch/>
         </p:blipFill>
         <p:spPr>
           <a:xfrm>
